--- a/web/graphics/Presentation1.pptx
+++ b/web/graphics/Presentation1.pptx
@@ -7,6 +7,10 @@
   <p:sldIdLst>
     <p:sldId id="256" r:id="rId2"/>
     <p:sldId id="257" r:id="rId3"/>
+    <p:sldId id="258" r:id="rId4"/>
+    <p:sldId id="259" r:id="rId5"/>
+    <p:sldId id="260" r:id="rId6"/>
+    <p:sldId id="261" r:id="rId7"/>
   </p:sldIdLst>
   <p:sldSz cx="9144000" cy="6858000" type="screen4x3"/>
   <p:notesSz cx="6858000" cy="9144000"/>
@@ -105,6 +109,22 @@
       </a:defRPr>
     </a:lvl9pPr>
   </p:defaultTextStyle>
+  <p:extLst>
+    <p:ext uri="{EFAFB233-063F-42B5-8137-9DF3F51BA10A}">
+      <p15:sldGuideLst xmlns:p15="http://schemas.microsoft.com/office/powerpoint/2012/main">
+        <p15:guide id="1" orient="horz" pos="2160">
+          <p15:clr>
+            <a:srgbClr val="A4A3A4"/>
+          </p15:clr>
+        </p15:guide>
+        <p15:guide id="2" pos="2880">
+          <p15:clr>
+            <a:srgbClr val="A4A3A4"/>
+          </p15:clr>
+        </p15:guide>
+      </p15:sldGuideLst>
+    </p:ext>
+  </p:extLst>
 </p:presentation>
 </file>
 
@@ -289,7 +309,7 @@
           <a:p>
             <a:fld id="{F79A135F-E0F3-4377-BE4B-ADAAB2D76D24}" type="datetimeFigureOut">
               <a:rPr lang="en-IN" smtClean="0"/>
-              <a:t>08-12-2013</a:t>
+              <a:t>29-01-2014</a:t>
             </a:fld>
             <a:endParaRPr lang="en-IN"/>
           </a:p>
@@ -459,7 +479,7 @@
           <a:p>
             <a:fld id="{F79A135F-E0F3-4377-BE4B-ADAAB2D76D24}" type="datetimeFigureOut">
               <a:rPr lang="en-IN" smtClean="0"/>
-              <a:t>08-12-2013</a:t>
+              <a:t>29-01-2014</a:t>
             </a:fld>
             <a:endParaRPr lang="en-IN"/>
           </a:p>
@@ -639,7 +659,7 @@
           <a:p>
             <a:fld id="{F79A135F-E0F3-4377-BE4B-ADAAB2D76D24}" type="datetimeFigureOut">
               <a:rPr lang="en-IN" smtClean="0"/>
-              <a:t>08-12-2013</a:t>
+              <a:t>29-01-2014</a:t>
             </a:fld>
             <a:endParaRPr lang="en-IN"/>
           </a:p>
@@ -809,7 +829,7 @@
           <a:p>
             <a:fld id="{F79A135F-E0F3-4377-BE4B-ADAAB2D76D24}" type="datetimeFigureOut">
               <a:rPr lang="en-IN" smtClean="0"/>
-              <a:t>08-12-2013</a:t>
+              <a:t>29-01-2014</a:t>
             </a:fld>
             <a:endParaRPr lang="en-IN"/>
           </a:p>
@@ -1055,7 +1075,7 @@
           <a:p>
             <a:fld id="{F79A135F-E0F3-4377-BE4B-ADAAB2D76D24}" type="datetimeFigureOut">
               <a:rPr lang="en-IN" smtClean="0"/>
-              <a:t>08-12-2013</a:t>
+              <a:t>29-01-2014</a:t>
             </a:fld>
             <a:endParaRPr lang="en-IN"/>
           </a:p>
@@ -1343,7 +1363,7 @@
           <a:p>
             <a:fld id="{F79A135F-E0F3-4377-BE4B-ADAAB2D76D24}" type="datetimeFigureOut">
               <a:rPr lang="en-IN" smtClean="0"/>
-              <a:t>08-12-2013</a:t>
+              <a:t>29-01-2014</a:t>
             </a:fld>
             <a:endParaRPr lang="en-IN"/>
           </a:p>
@@ -1765,7 +1785,7 @@
           <a:p>
             <a:fld id="{F79A135F-E0F3-4377-BE4B-ADAAB2D76D24}" type="datetimeFigureOut">
               <a:rPr lang="en-IN" smtClean="0"/>
-              <a:t>08-12-2013</a:t>
+              <a:t>29-01-2014</a:t>
             </a:fld>
             <a:endParaRPr lang="en-IN"/>
           </a:p>
@@ -1883,7 +1903,7 @@
           <a:p>
             <a:fld id="{F79A135F-E0F3-4377-BE4B-ADAAB2D76D24}" type="datetimeFigureOut">
               <a:rPr lang="en-IN" smtClean="0"/>
-              <a:t>08-12-2013</a:t>
+              <a:t>29-01-2014</a:t>
             </a:fld>
             <a:endParaRPr lang="en-IN"/>
           </a:p>
@@ -1978,7 +1998,7 @@
           <a:p>
             <a:fld id="{F79A135F-E0F3-4377-BE4B-ADAAB2D76D24}" type="datetimeFigureOut">
               <a:rPr lang="en-IN" smtClean="0"/>
-              <a:t>08-12-2013</a:t>
+              <a:t>29-01-2014</a:t>
             </a:fld>
             <a:endParaRPr lang="en-IN"/>
           </a:p>
@@ -2255,7 +2275,7 @@
           <a:p>
             <a:fld id="{F79A135F-E0F3-4377-BE4B-ADAAB2D76D24}" type="datetimeFigureOut">
               <a:rPr lang="en-IN" smtClean="0"/>
-              <a:t>08-12-2013</a:t>
+              <a:t>29-01-2014</a:t>
             </a:fld>
             <a:endParaRPr lang="en-IN"/>
           </a:p>
@@ -2508,7 +2528,7 @@
           <a:p>
             <a:fld id="{F79A135F-E0F3-4377-BE4B-ADAAB2D76D24}" type="datetimeFigureOut">
               <a:rPr lang="en-IN" smtClean="0"/>
-              <a:t>08-12-2013</a:t>
+              <a:t>29-01-2014</a:t>
             </a:fld>
             <a:endParaRPr lang="en-IN"/>
           </a:p>
@@ -2721,7 +2741,7 @@
           <a:p>
             <a:fld id="{F79A135F-E0F3-4377-BE4B-ADAAB2D76D24}" type="datetimeFigureOut">
               <a:rPr lang="en-IN" smtClean="0"/>
-              <a:t>08-12-2013</a:t>
+              <a:t>29-01-2014</a:t>
             </a:fld>
             <a:endParaRPr lang="en-IN"/>
           </a:p>
@@ -3721,6 +3741,730 @@
     <p:extLst>
       <p:ext uri="{BB962C8B-B14F-4D97-AF65-F5344CB8AC3E}">
         <p14:creationId xmlns:p14="http://schemas.microsoft.com/office/powerpoint/2010/main" val="3348783775"/>
+      </p:ext>
+    </p:extLst>
+  </p:cSld>
+  <p:clrMapOvr>
+    <a:masterClrMapping/>
+  </p:clrMapOvr>
+</p:sld>
+</file>
+
+<file path=ppt/slides/slide3.xml><?xml version="1.0" encoding="utf-8"?>
+<p:sld xmlns:a="http://schemas.openxmlformats.org/drawingml/2006/main" xmlns:r="http://schemas.openxmlformats.org/officeDocument/2006/relationships" xmlns:p="http://schemas.openxmlformats.org/presentationml/2006/main">
+  <p:cSld>
+    <p:spTree>
+      <p:nvGrpSpPr>
+        <p:cNvPr id="1" name=""/>
+        <p:cNvGrpSpPr/>
+        <p:nvPr/>
+      </p:nvGrpSpPr>
+      <p:grpSpPr>
+        <a:xfrm>
+          <a:off x="0" y="0"/>
+          <a:ext cx="0" cy="0"/>
+          <a:chOff x="0" y="0"/>
+          <a:chExt cx="0" cy="0"/>
+        </a:xfrm>
+      </p:grpSpPr>
+      <p:pic>
+        <p:nvPicPr>
+          <p:cNvPr id="4" name="Picture 3"/>
+          <p:cNvPicPr>
+            <a:picLocks noChangeAspect="1"/>
+          </p:cNvPicPr>
+          <p:nvPr/>
+        </p:nvPicPr>
+        <p:blipFill>
+          <a:blip r:embed="rId2">
+            <a:extLst>
+              <a:ext uri="{28A0092B-C50C-407E-A947-70E740481C1C}">
+                <a14:useLocalDpi xmlns:a14="http://schemas.microsoft.com/office/drawing/2010/main" val="0"/>
+              </a:ext>
+            </a:extLst>
+          </a:blip>
+          <a:stretch>
+            <a:fillRect/>
+          </a:stretch>
+        </p:blipFill>
+        <p:spPr>
+          <a:xfrm>
+            <a:off x="0" y="2127716"/>
+            <a:ext cx="9144000" cy="2602568"/>
+          </a:xfrm>
+          <a:prstGeom prst="rect">
+            <a:avLst/>
+          </a:prstGeom>
+        </p:spPr>
+      </p:pic>
+      <p:sp>
+        <p:nvSpPr>
+          <p:cNvPr id="6" name="Rectangle 5"/>
+          <p:cNvSpPr/>
+          <p:nvPr/>
+        </p:nvSpPr>
+        <p:spPr>
+          <a:xfrm>
+            <a:off x="971600" y="2564904"/>
+            <a:ext cx="3749553" cy="1862048"/>
+          </a:xfrm>
+          <a:prstGeom prst="rect">
+            <a:avLst/>
+          </a:prstGeom>
+          <a:noFill/>
+          <a:scene3d>
+            <a:camera prst="isometricOffAxis1Right"/>
+            <a:lightRig rig="threePt" dir="t"/>
+          </a:scene3d>
+        </p:spPr>
+        <p:txBody>
+          <a:bodyPr wrap="none" lIns="91440" tIns="45720" rIns="91440" bIns="45720">
+            <a:spAutoFit/>
+            <a:scene3d>
+              <a:camera prst="orthographicFront"/>
+              <a:lightRig rig="glow" dir="tl">
+                <a:rot lat="0" lon="0" rev="5400000"/>
+              </a:lightRig>
+            </a:scene3d>
+            <a:sp3d contourW="12700">
+              <a:bevelT w="25400" h="25400"/>
+              <a:contourClr>
+                <a:schemeClr val="accent6">
+                  <a:shade val="73000"/>
+                </a:schemeClr>
+              </a:contourClr>
+            </a:sp3d>
+          </a:bodyPr>
+          <a:lstStyle/>
+          <a:p>
+            <a:pPr algn="ctr"/>
+            <a:r>
+              <a:rPr lang="en-US" sz="11500" b="1" cap="none" spc="0" dirty="0" smtClean="0">
+                <a:ln w="11430"/>
+                <a:blipFill>
+                  <a:blip r:embed="rId3"/>
+                  <a:stretch>
+                    <a:fillRect/>
+                  </a:stretch>
+                </a:blipFill>
+                <a:effectLst>
+                  <a:outerShdw blurRad="80000" dist="40000" dir="5040000" algn="tl">
+                    <a:srgbClr val="000000">
+                      <a:alpha val="30000"/>
+                    </a:srgbClr>
+                  </a:outerShdw>
+                </a:effectLst>
+                <a:latin typeface="Arial Rounded MT Bold" pitchFamily="34" charset="0"/>
+              </a:rPr>
+              <a:t>C</a:t>
+            </a:r>
+            <a:r>
+              <a:rPr lang="en-US" sz="6600" b="1" cap="none" spc="0" dirty="0" smtClean="0">
+                <a:ln w="11430"/>
+                <a:blipFill>
+                  <a:blip r:embed="rId3"/>
+                  <a:stretch>
+                    <a:fillRect/>
+                  </a:stretch>
+                </a:blipFill>
+                <a:effectLst>
+                  <a:outerShdw blurRad="80000" dist="40000" dir="5040000" algn="tl">
+                    <a:srgbClr val="000000">
+                      <a:alpha val="30000"/>
+                    </a:srgbClr>
+                  </a:outerShdw>
+                </a:effectLst>
+                <a:latin typeface="Arial Rounded MT Bold" pitchFamily="34" charset="0"/>
+              </a:rPr>
+              <a:t>ollege</a:t>
+            </a:r>
+            <a:endParaRPr lang="en-US" sz="6600" b="1" cap="none" spc="0" dirty="0">
+              <a:ln w="11430"/>
+              <a:blipFill>
+                <a:blip r:embed="rId3"/>
+                <a:stretch>
+                  <a:fillRect/>
+                </a:stretch>
+              </a:blipFill>
+              <a:effectLst>
+                <a:outerShdw blurRad="80000" dist="40000" dir="5040000" algn="tl">
+                  <a:srgbClr val="000000">
+                    <a:alpha val="30000"/>
+                  </a:srgbClr>
+                </a:outerShdw>
+              </a:effectLst>
+              <a:latin typeface="Arial Rounded MT Bold" pitchFamily="34" charset="0"/>
+            </a:endParaRPr>
+          </a:p>
+        </p:txBody>
+      </p:sp>
+      <p:sp>
+        <p:nvSpPr>
+          <p:cNvPr id="7" name="Rectangle 6"/>
+          <p:cNvSpPr/>
+          <p:nvPr/>
+        </p:nvSpPr>
+        <p:spPr>
+          <a:xfrm>
+            <a:off x="5588813" y="2818820"/>
+            <a:ext cx="4270721" cy="1569660"/>
+          </a:xfrm>
+          <a:prstGeom prst="rect">
+            <a:avLst/>
+          </a:prstGeom>
+          <a:noFill/>
+          <a:scene3d>
+            <a:camera prst="isometricOffAxis1Right"/>
+            <a:lightRig rig="threePt" dir="t"/>
+          </a:scene3d>
+          <a:sp3d>
+            <a:bevelT/>
+          </a:sp3d>
+        </p:spPr>
+        <p:txBody>
+          <a:bodyPr wrap="none" lIns="91440" tIns="45720" rIns="91440" bIns="45720">
+            <a:spAutoFit/>
+            <a:scene3d>
+              <a:camera prst="orthographicFront"/>
+              <a:lightRig rig="glow" dir="tl">
+                <a:rot lat="0" lon="0" rev="5400000"/>
+              </a:lightRig>
+            </a:scene3d>
+            <a:sp3d contourW="12700">
+              <a:bevelT w="25400" h="25400"/>
+              <a:contourClr>
+                <a:schemeClr val="accent6">
+                  <a:shade val="73000"/>
+                </a:schemeClr>
+              </a:contourClr>
+            </a:sp3d>
+          </a:bodyPr>
+          <a:lstStyle/>
+          <a:p>
+            <a:pPr algn="ctr"/>
+            <a:r>
+              <a:rPr lang="en-US" sz="9600" b="1" cap="none" spc="0" dirty="0" smtClean="0">
+                <a:ln w="11430">
+                  <a:solidFill>
+                    <a:srgbClr val="FFFF00">
+                      <a:alpha val="63000"/>
+                    </a:srgbClr>
+                  </a:solidFill>
+                </a:ln>
+                <a:blipFill dpi="0" rotWithShape="1">
+                  <a:blip r:embed="rId3"/>
+                  <a:srcRect/>
+                  <a:tile tx="6350" ty="-127000" sx="65000" sy="64000" flip="none" algn="tl"/>
+                </a:blipFill>
+                <a:effectLst>
+                  <a:outerShdw blurRad="80000" dist="40000" dir="5040000" algn="tl">
+                    <a:srgbClr val="000000">
+                      <a:alpha val="30000"/>
+                    </a:srgbClr>
+                  </a:outerShdw>
+                </a:effectLst>
+                <a:latin typeface="Arial Rounded MT Bold" pitchFamily="34" charset="0"/>
+              </a:rPr>
+              <a:t>C</a:t>
+            </a:r>
+            <a:r>
+              <a:rPr lang="en-US" sz="5400" b="1" cap="none" spc="0" dirty="0" smtClean="0">
+                <a:ln w="11430">
+                  <a:solidFill>
+                    <a:srgbClr val="FFFF00">
+                      <a:alpha val="63000"/>
+                    </a:srgbClr>
+                  </a:solidFill>
+                </a:ln>
+                <a:blipFill dpi="0" rotWithShape="1">
+                  <a:blip r:embed="rId3"/>
+                  <a:srcRect/>
+                  <a:tile tx="6350" ty="-127000" sx="65000" sy="64000" flip="none" algn="tl"/>
+                </a:blipFill>
+                <a:effectLst>
+                  <a:outerShdw blurRad="80000" dist="40000" dir="5040000" algn="tl">
+                    <a:srgbClr val="000000">
+                      <a:alpha val="30000"/>
+                    </a:srgbClr>
+                  </a:outerShdw>
+                </a:effectLst>
+                <a:latin typeface="Lucida Calligraphy" pitchFamily="66" charset="0"/>
+              </a:rPr>
+              <a:t>ommune</a:t>
+            </a:r>
+            <a:endParaRPr lang="en-US" sz="5400" b="1" cap="none" spc="0" dirty="0">
+              <a:ln w="11430">
+                <a:solidFill>
+                  <a:srgbClr val="FFFF00">
+                    <a:alpha val="63000"/>
+                  </a:srgbClr>
+                </a:solidFill>
+              </a:ln>
+              <a:blipFill dpi="0" rotWithShape="1">
+                <a:blip r:embed="rId3"/>
+                <a:srcRect/>
+                <a:tile tx="6350" ty="-127000" sx="65000" sy="64000" flip="none" algn="tl"/>
+              </a:blipFill>
+              <a:effectLst>
+                <a:outerShdw blurRad="80000" dist="40000" dir="5040000" algn="tl">
+                  <a:srgbClr val="000000">
+                    <a:alpha val="30000"/>
+                  </a:srgbClr>
+                </a:outerShdw>
+              </a:effectLst>
+              <a:latin typeface="Lucida Calligraphy" pitchFamily="66" charset="0"/>
+            </a:endParaRPr>
+          </a:p>
+        </p:txBody>
+      </p:sp>
+    </p:spTree>
+    <p:extLst>
+      <p:ext uri="{BB962C8B-B14F-4D97-AF65-F5344CB8AC3E}">
+        <p14:creationId xmlns:p14="http://schemas.microsoft.com/office/powerpoint/2010/main" val="845609157"/>
+      </p:ext>
+    </p:extLst>
+  </p:cSld>
+  <p:clrMapOvr>
+    <a:masterClrMapping/>
+  </p:clrMapOvr>
+</p:sld>
+</file>
+
+<file path=ppt/slides/slide4.xml><?xml version="1.0" encoding="utf-8"?>
+<p:sld xmlns:a="http://schemas.openxmlformats.org/drawingml/2006/main" xmlns:r="http://schemas.openxmlformats.org/officeDocument/2006/relationships" xmlns:p="http://schemas.openxmlformats.org/presentationml/2006/main">
+  <p:cSld>
+    <p:bg>
+      <p:bgPr>
+        <a:gradFill>
+          <a:gsLst>
+            <a:gs pos="0">
+              <a:srgbClr val="C00000"/>
+            </a:gs>
+            <a:gs pos="16000">
+              <a:srgbClr val="FFC000"/>
+            </a:gs>
+            <a:gs pos="31000">
+              <a:srgbClr val="FFFF00"/>
+            </a:gs>
+            <a:gs pos="47000">
+              <a:schemeClr val="accent3">
+                <a:lumMod val="75000"/>
+              </a:schemeClr>
+            </a:gs>
+            <a:gs pos="62000">
+              <a:srgbClr val="97B992"/>
+            </a:gs>
+            <a:gs pos="77000">
+              <a:srgbClr val="649F97"/>
+            </a:gs>
+            <a:gs pos="98000">
+              <a:schemeClr val="accent4">
+                <a:lumMod val="75000"/>
+              </a:schemeClr>
+            </a:gs>
+          </a:gsLst>
+          <a:lin ang="0" scaled="1"/>
+        </a:gradFill>
+        <a:effectLst/>
+      </p:bgPr>
+    </p:bg>
+    <p:spTree>
+      <p:nvGrpSpPr>
+        <p:cNvPr id="1" name=""/>
+        <p:cNvGrpSpPr/>
+        <p:nvPr/>
+      </p:nvGrpSpPr>
+      <p:grpSpPr>
+        <a:xfrm>
+          <a:off x="0" y="0"/>
+          <a:ext cx="0" cy="0"/>
+          <a:chOff x="0" y="0"/>
+          <a:chExt cx="0" cy="0"/>
+        </a:xfrm>
+      </p:grpSpPr>
+      <p:pic>
+        <p:nvPicPr>
+          <p:cNvPr id="7" name="Picture 6"/>
+          <p:cNvPicPr>
+            <a:picLocks noChangeAspect="1"/>
+          </p:cNvPicPr>
+          <p:nvPr/>
+        </p:nvPicPr>
+        <p:blipFill rotWithShape="1">
+          <a:blip r:embed="rId2">
+            <a:extLst>
+              <a:ext uri="{28A0092B-C50C-407E-A947-70E740481C1C}">
+                <a14:useLocalDpi xmlns:a14="http://schemas.microsoft.com/office/drawing/2010/main" val="0"/>
+              </a:ext>
+            </a:extLst>
+          </a:blip>
+          <a:srcRect l="10309" t="2812" r="-586" b="58129"/>
+          <a:stretch/>
+        </p:blipFill>
+        <p:spPr>
+          <a:xfrm>
+            <a:off x="1327514" y="2204864"/>
+            <a:ext cx="6077851" cy="1798019"/>
+          </a:xfrm>
+          <a:prstGeom prst="rect">
+            <a:avLst/>
+          </a:prstGeom>
+          <a:scene3d>
+            <a:camera prst="perspectiveRelaxed">
+              <a:rot lat="17673601" lon="0" rev="0"/>
+            </a:camera>
+            <a:lightRig rig="threePt" dir="t"/>
+          </a:scene3d>
+          <a:sp3d>
+            <a:bevelT w="139700"/>
+            <a:bevelB w="95250" h="184150" prst="divot"/>
+          </a:sp3d>
+        </p:spPr>
+      </p:pic>
+      <p:sp>
+        <p:nvSpPr>
+          <p:cNvPr id="5" name="Rectangle 4"/>
+          <p:cNvSpPr/>
+          <p:nvPr/>
+        </p:nvSpPr>
+        <p:spPr>
+          <a:xfrm>
+            <a:off x="1022704" y="1988840"/>
+            <a:ext cx="3343736" cy="1569660"/>
+          </a:xfrm>
+          <a:prstGeom prst="rect">
+            <a:avLst/>
+          </a:prstGeom>
+          <a:noFill/>
+          <a:effectLst>
+            <a:outerShdw blurRad="50800" dist="76200" dir="6300000" rotWithShape="0">
+              <a:prstClr val="black">
+                <a:alpha val="25000"/>
+              </a:prstClr>
+            </a:outerShdw>
+          </a:effectLst>
+          <a:scene3d>
+            <a:camera prst="isometricOffAxis1Right"/>
+            <a:lightRig rig="threePt" dir="t"/>
+          </a:scene3d>
+        </p:spPr>
+        <p:txBody>
+          <a:bodyPr wrap="none" lIns="91440" tIns="45720" rIns="91440" bIns="45720">
+            <a:spAutoFit/>
+            <a:scene3d>
+              <a:camera prst="orthographicFront"/>
+              <a:lightRig rig="glow" dir="tl">
+                <a:rot lat="0" lon="0" rev="5400000"/>
+              </a:lightRig>
+            </a:scene3d>
+            <a:sp3d contourW="12700">
+              <a:bevelT w="25400" h="25400"/>
+              <a:contourClr>
+                <a:schemeClr val="accent6">
+                  <a:shade val="73000"/>
+                </a:schemeClr>
+              </a:contourClr>
+            </a:sp3d>
+          </a:bodyPr>
+          <a:lstStyle/>
+          <a:p>
+            <a:pPr algn="ctr"/>
+            <a:r>
+              <a:rPr lang="en-US" sz="9600" b="1" cap="none" spc="0" dirty="0" smtClean="0">
+                <a:ln w="11430"/>
+                <a:blipFill>
+                  <a:blip r:embed="rId3"/>
+                  <a:stretch>
+                    <a:fillRect/>
+                  </a:stretch>
+                </a:blipFill>
+                <a:effectLst>
+                  <a:outerShdw blurRad="80000" dist="40000" dir="5040000" algn="tl">
+                    <a:srgbClr val="000000">
+                      <a:alpha val="30000"/>
+                    </a:srgbClr>
+                  </a:outerShdw>
+                </a:effectLst>
+                <a:latin typeface="Arial Rounded MT Bold" pitchFamily="34" charset="0"/>
+              </a:rPr>
+              <a:t>C</a:t>
+            </a:r>
+            <a:r>
+              <a:rPr lang="en-US" sz="6000" b="1" cap="none" spc="0" dirty="0" smtClean="0">
+                <a:ln w="11430"/>
+                <a:blipFill>
+                  <a:blip r:embed="rId3"/>
+                  <a:stretch>
+                    <a:fillRect/>
+                  </a:stretch>
+                </a:blipFill>
+                <a:effectLst>
+                  <a:outerShdw blurRad="80000" dist="40000" dir="5040000" algn="tl">
+                    <a:srgbClr val="000000">
+                      <a:alpha val="30000"/>
+                    </a:srgbClr>
+                  </a:outerShdw>
+                </a:effectLst>
+                <a:latin typeface="Arial Rounded MT Bold" pitchFamily="34" charset="0"/>
+              </a:rPr>
+              <a:t>ollege</a:t>
+            </a:r>
+            <a:endParaRPr lang="en-US" sz="6000" b="1" cap="none" spc="0" dirty="0">
+              <a:ln w="11430"/>
+              <a:blipFill>
+                <a:blip r:embed="rId3"/>
+                <a:stretch>
+                  <a:fillRect/>
+                </a:stretch>
+              </a:blipFill>
+              <a:effectLst>
+                <a:outerShdw blurRad="80000" dist="40000" dir="5040000" algn="tl">
+                  <a:srgbClr val="000000">
+                    <a:alpha val="30000"/>
+                  </a:srgbClr>
+                </a:outerShdw>
+              </a:effectLst>
+              <a:latin typeface="Arial Rounded MT Bold" pitchFamily="34" charset="0"/>
+            </a:endParaRPr>
+          </a:p>
+        </p:txBody>
+      </p:sp>
+      <p:sp>
+        <p:nvSpPr>
+          <p:cNvPr id="6" name="Rectangle 5"/>
+          <p:cNvSpPr/>
+          <p:nvPr/>
+        </p:nvSpPr>
+        <p:spPr>
+          <a:xfrm>
+            <a:off x="3836208" y="1988840"/>
+            <a:ext cx="3659848" cy="1569660"/>
+          </a:xfrm>
+          <a:prstGeom prst="rect">
+            <a:avLst/>
+          </a:prstGeom>
+          <a:noFill/>
+          <a:effectLst>
+            <a:outerShdw blurRad="50800" dist="76200" dir="6300000" rotWithShape="0">
+              <a:prstClr val="black">
+                <a:alpha val="25000"/>
+              </a:prstClr>
+            </a:outerShdw>
+          </a:effectLst>
+          <a:scene3d>
+            <a:camera prst="isometricOffAxis1Right"/>
+            <a:lightRig rig="threePt" dir="t"/>
+          </a:scene3d>
+          <a:sp3d>
+            <a:bevelT/>
+          </a:sp3d>
+        </p:spPr>
+        <p:txBody>
+          <a:bodyPr wrap="none" lIns="91440" tIns="45720" rIns="91440" bIns="45720">
+            <a:spAutoFit/>
+            <a:scene3d>
+              <a:camera prst="orthographicFront"/>
+              <a:lightRig rig="glow" dir="tl">
+                <a:rot lat="0" lon="0" rev="5400000"/>
+              </a:lightRig>
+            </a:scene3d>
+            <a:sp3d contourW="12700">
+              <a:bevelT w="25400" h="25400"/>
+              <a:contourClr>
+                <a:schemeClr val="accent6">
+                  <a:shade val="73000"/>
+                </a:schemeClr>
+              </a:contourClr>
+            </a:sp3d>
+          </a:bodyPr>
+          <a:lstStyle/>
+          <a:p>
+            <a:pPr algn="ctr"/>
+            <a:r>
+              <a:rPr lang="en-US" sz="9600" b="1" cap="none" spc="0" dirty="0" smtClean="0">
+                <a:ln w="11430">
+                  <a:solidFill>
+                    <a:srgbClr val="FFFF00">
+                      <a:alpha val="63000"/>
+                    </a:srgbClr>
+                  </a:solidFill>
+                </a:ln>
+                <a:blipFill dpi="0" rotWithShape="1">
+                  <a:blip r:embed="rId3"/>
+                  <a:srcRect/>
+                  <a:tile tx="6350" ty="-127000" sx="65000" sy="64000" flip="none" algn="tl"/>
+                </a:blipFill>
+                <a:effectLst>
+                  <a:outerShdw blurRad="80000" dist="40000" dir="5040000" algn="tl">
+                    <a:srgbClr val="000000">
+                      <a:alpha val="30000"/>
+                    </a:srgbClr>
+                  </a:outerShdw>
+                </a:effectLst>
+                <a:latin typeface="Arial Rounded MT Bold" panose="020F0704030504030204" pitchFamily="34" charset="0"/>
+              </a:rPr>
+              <a:t>C</a:t>
+            </a:r>
+            <a:r>
+              <a:rPr lang="en-US" sz="4800" b="1" cap="none" spc="0" dirty="0" smtClean="0">
+                <a:ln w="11430">
+                  <a:solidFill>
+                    <a:srgbClr val="FFFF00">
+                      <a:alpha val="63000"/>
+                    </a:srgbClr>
+                  </a:solidFill>
+                </a:ln>
+                <a:blipFill dpi="0" rotWithShape="1">
+                  <a:blip r:embed="rId3"/>
+                  <a:srcRect/>
+                  <a:tile tx="6350" ty="-127000" sx="65000" sy="64000" flip="none" algn="tl"/>
+                </a:blipFill>
+                <a:effectLst>
+                  <a:outerShdw blurRad="80000" dist="40000" dir="5040000" algn="tl">
+                    <a:srgbClr val="000000">
+                      <a:alpha val="30000"/>
+                    </a:srgbClr>
+                  </a:outerShdw>
+                </a:effectLst>
+                <a:latin typeface="Arial Rounded MT Bold" panose="020F0704030504030204" pitchFamily="34" charset="0"/>
+              </a:rPr>
+              <a:t>ommune</a:t>
+            </a:r>
+            <a:endParaRPr lang="en-US" sz="4800" b="1" cap="none" spc="0" dirty="0">
+              <a:ln w="11430">
+                <a:solidFill>
+                  <a:srgbClr val="FFFF00">
+                    <a:alpha val="63000"/>
+                  </a:srgbClr>
+                </a:solidFill>
+              </a:ln>
+              <a:blipFill dpi="0" rotWithShape="1">
+                <a:blip r:embed="rId3"/>
+                <a:srcRect/>
+                <a:tile tx="6350" ty="-127000" sx="65000" sy="64000" flip="none" algn="tl"/>
+              </a:blipFill>
+              <a:effectLst>
+                <a:outerShdw blurRad="80000" dist="40000" dir="5040000" algn="tl">
+                  <a:srgbClr val="000000">
+                    <a:alpha val="30000"/>
+                  </a:srgbClr>
+                </a:outerShdw>
+              </a:effectLst>
+              <a:latin typeface="Arial Rounded MT Bold" panose="020F0704030504030204" pitchFamily="34" charset="0"/>
+            </a:endParaRPr>
+          </a:p>
+        </p:txBody>
+      </p:sp>
+    </p:spTree>
+    <p:extLst>
+      <p:ext uri="{BB962C8B-B14F-4D97-AF65-F5344CB8AC3E}">
+        <p14:creationId xmlns:p14="http://schemas.microsoft.com/office/powerpoint/2010/main" val="3146899822"/>
+      </p:ext>
+    </p:extLst>
+  </p:cSld>
+  <p:clrMapOvr>
+    <a:masterClrMapping/>
+  </p:clrMapOvr>
+</p:sld>
+</file>
+
+<file path=ppt/slides/slide5.xml><?xml version="1.0" encoding="utf-8"?>
+<p:sld xmlns:a="http://schemas.openxmlformats.org/drawingml/2006/main" xmlns:r="http://schemas.openxmlformats.org/officeDocument/2006/relationships" xmlns:p="http://schemas.openxmlformats.org/presentationml/2006/main">
+  <p:cSld>
+    <p:spTree>
+      <p:nvGrpSpPr>
+        <p:cNvPr id="1" name=""/>
+        <p:cNvGrpSpPr/>
+        <p:nvPr/>
+      </p:nvGrpSpPr>
+      <p:grpSpPr>
+        <a:xfrm>
+          <a:off x="0" y="0"/>
+          <a:ext cx="0" cy="0"/>
+          <a:chOff x="0" y="0"/>
+          <a:chExt cx="0" cy="0"/>
+        </a:xfrm>
+      </p:grpSpPr>
+      <p:pic>
+        <p:nvPicPr>
+          <p:cNvPr id="6" name="Picture 5"/>
+          <p:cNvPicPr>
+            <a:picLocks noChangeAspect="1"/>
+          </p:cNvPicPr>
+          <p:nvPr/>
+        </p:nvPicPr>
+        <p:blipFill rotWithShape="1">
+          <a:blip r:embed="rId2">
+            <a:extLst>
+              <a:ext uri="{28A0092B-C50C-407E-A947-70E740481C1C}">
+                <a14:useLocalDpi xmlns:a14="http://schemas.microsoft.com/office/drawing/2010/main" val="0"/>
+              </a:ext>
+            </a:extLst>
+          </a:blip>
+          <a:srcRect t="33223"/>
+          <a:stretch/>
+        </p:blipFill>
+        <p:spPr>
+          <a:xfrm>
+            <a:off x="1319502" y="3068959"/>
+            <a:ext cx="6504996" cy="1433029"/>
+          </a:xfrm>
+          <a:prstGeom prst="rect">
+            <a:avLst/>
+          </a:prstGeom>
+        </p:spPr>
+      </p:pic>
+    </p:spTree>
+    <p:extLst>
+      <p:ext uri="{BB962C8B-B14F-4D97-AF65-F5344CB8AC3E}">
+        <p14:creationId xmlns:p14="http://schemas.microsoft.com/office/powerpoint/2010/main" val="2236795486"/>
+      </p:ext>
+    </p:extLst>
+  </p:cSld>
+  <p:clrMapOvr>
+    <a:masterClrMapping/>
+  </p:clrMapOvr>
+</p:sld>
+</file>
+
+<file path=ppt/slides/slide6.xml><?xml version="1.0" encoding="utf-8"?>
+<p:sld xmlns:a="http://schemas.openxmlformats.org/drawingml/2006/main" xmlns:r="http://schemas.openxmlformats.org/officeDocument/2006/relationships" xmlns:p="http://schemas.openxmlformats.org/presentationml/2006/main">
+  <p:cSld>
+    <p:bg>
+      <p:bgPr>
+        <a:pattFill prst="lgConfetti">
+          <a:fgClr>
+            <a:schemeClr val="bg1">
+              <a:lumMod val="85000"/>
+            </a:schemeClr>
+          </a:fgClr>
+          <a:bgClr>
+            <a:schemeClr val="bg1">
+              <a:lumMod val="95000"/>
+            </a:schemeClr>
+          </a:bgClr>
+        </a:pattFill>
+        <a:effectLst/>
+      </p:bgPr>
+    </p:bg>
+    <p:spTree>
+      <p:nvGrpSpPr>
+        <p:cNvPr id="1" name=""/>
+        <p:cNvGrpSpPr/>
+        <p:nvPr/>
+      </p:nvGrpSpPr>
+      <p:grpSpPr>
+        <a:xfrm>
+          <a:off x="0" y="0"/>
+          <a:ext cx="0" cy="0"/>
+          <a:chOff x="0" y="0"/>
+          <a:chExt cx="0" cy="0"/>
+        </a:xfrm>
+      </p:grpSpPr>
+    </p:spTree>
+    <p:extLst>
+      <p:ext uri="{BB962C8B-B14F-4D97-AF65-F5344CB8AC3E}">
+        <p14:creationId xmlns:p14="http://schemas.microsoft.com/office/powerpoint/2010/main" val="1544253989"/>
       </p:ext>
     </p:extLst>
   </p:cSld>
